--- a/images/setup.pptx
+++ b/images/setup.pptx
@@ -288,7 +288,7 @@
           <a:p>
             <a:fld id="{B86150B3-DEAD-412F-8776-23960C0E4796}" type="datetimeFigureOut">
               <a:rPr lang="en-US" smtClean="0"/>
-              <a:t>6/7/2013</a:t>
+              <a:t>7/18/2013</a:t>
             </a:fld>
             <a:endParaRPr lang="en-US"/>
           </a:p>
@@ -458,7 +458,7 @@
           <a:p>
             <a:fld id="{B86150B3-DEAD-412F-8776-23960C0E4796}" type="datetimeFigureOut">
               <a:rPr lang="en-US" smtClean="0"/>
-              <a:t>6/7/2013</a:t>
+              <a:t>7/18/2013</a:t>
             </a:fld>
             <a:endParaRPr lang="en-US"/>
           </a:p>
@@ -638,7 +638,7 @@
           <a:p>
             <a:fld id="{B86150B3-DEAD-412F-8776-23960C0E4796}" type="datetimeFigureOut">
               <a:rPr lang="en-US" smtClean="0"/>
-              <a:t>6/7/2013</a:t>
+              <a:t>7/18/2013</a:t>
             </a:fld>
             <a:endParaRPr lang="en-US"/>
           </a:p>
@@ -808,7 +808,7 @@
           <a:p>
             <a:fld id="{B86150B3-DEAD-412F-8776-23960C0E4796}" type="datetimeFigureOut">
               <a:rPr lang="en-US" smtClean="0"/>
-              <a:t>6/7/2013</a:t>
+              <a:t>7/18/2013</a:t>
             </a:fld>
             <a:endParaRPr lang="en-US"/>
           </a:p>
@@ -1054,7 +1054,7 @@
           <a:p>
             <a:fld id="{B86150B3-DEAD-412F-8776-23960C0E4796}" type="datetimeFigureOut">
               <a:rPr lang="en-US" smtClean="0"/>
-              <a:t>6/7/2013</a:t>
+              <a:t>7/18/2013</a:t>
             </a:fld>
             <a:endParaRPr lang="en-US"/>
           </a:p>
@@ -1342,7 +1342,7 @@
           <a:p>
             <a:fld id="{B86150B3-DEAD-412F-8776-23960C0E4796}" type="datetimeFigureOut">
               <a:rPr lang="en-US" smtClean="0"/>
-              <a:t>6/7/2013</a:t>
+              <a:t>7/18/2013</a:t>
             </a:fld>
             <a:endParaRPr lang="en-US"/>
           </a:p>
@@ -1764,7 +1764,7 @@
           <a:p>
             <a:fld id="{B86150B3-DEAD-412F-8776-23960C0E4796}" type="datetimeFigureOut">
               <a:rPr lang="en-US" smtClean="0"/>
-              <a:t>6/7/2013</a:t>
+              <a:t>7/18/2013</a:t>
             </a:fld>
             <a:endParaRPr lang="en-US"/>
           </a:p>
@@ -1882,7 +1882,7 @@
           <a:p>
             <a:fld id="{B86150B3-DEAD-412F-8776-23960C0E4796}" type="datetimeFigureOut">
               <a:rPr lang="en-US" smtClean="0"/>
-              <a:t>6/7/2013</a:t>
+              <a:t>7/18/2013</a:t>
             </a:fld>
             <a:endParaRPr lang="en-US"/>
           </a:p>
@@ -1977,7 +1977,7 @@
           <a:p>
             <a:fld id="{B86150B3-DEAD-412F-8776-23960C0E4796}" type="datetimeFigureOut">
               <a:rPr lang="en-US" smtClean="0"/>
-              <a:t>6/7/2013</a:t>
+              <a:t>7/18/2013</a:t>
             </a:fld>
             <a:endParaRPr lang="en-US"/>
           </a:p>
@@ -2254,7 +2254,7 @@
           <a:p>
             <a:fld id="{B86150B3-DEAD-412F-8776-23960C0E4796}" type="datetimeFigureOut">
               <a:rPr lang="en-US" smtClean="0"/>
-              <a:t>6/7/2013</a:t>
+              <a:t>7/18/2013</a:t>
             </a:fld>
             <a:endParaRPr lang="en-US"/>
           </a:p>
@@ -2507,7 +2507,7 @@
           <a:p>
             <a:fld id="{B86150B3-DEAD-412F-8776-23960C0E4796}" type="datetimeFigureOut">
               <a:rPr lang="en-US" smtClean="0"/>
-              <a:t>6/7/2013</a:t>
+              <a:t>7/18/2013</a:t>
             </a:fld>
             <a:endParaRPr lang="en-US"/>
           </a:p>
@@ -2720,7 +2720,7 @@
           <a:p>
             <a:fld id="{B86150B3-DEAD-412F-8776-23960C0E4796}" type="datetimeFigureOut">
               <a:rPr lang="en-US" smtClean="0"/>
-              <a:t>6/7/2013</a:t>
+              <a:t>7/18/2013</a:t>
             </a:fld>
             <a:endParaRPr lang="en-US"/>
           </a:p>
@@ -4521,6 +4521,36 @@
           </a:p>
         </p:txBody>
       </p:sp>
+      <p:sp>
+        <p:nvSpPr>
+          <p:cNvPr id="40" name="TextBox 39"/>
+          <p:cNvSpPr txBox="1"/>
+          <p:nvPr/>
+        </p:nvSpPr>
+        <p:spPr>
+          <a:xfrm>
+            <a:off x="95366" y="1126199"/>
+            <a:ext cx="389850" cy="215444"/>
+          </a:xfrm>
+          <a:prstGeom prst="rect">
+            <a:avLst/>
+          </a:prstGeom>
+          <a:noFill/>
+        </p:spPr>
+        <p:txBody>
+          <a:bodyPr wrap="none" rtlCol="0">
+            <a:spAutoFit/>
+          </a:bodyPr>
+          <a:lstStyle/>
+          <a:p>
+            <a:r>
+              <a:rPr lang="en-US" sz="800" dirty="0" smtClean="0"/>
+              <a:t>T=4K</a:t>
+            </a:r>
+            <a:endParaRPr lang="en-US" sz="800" dirty="0"/>
+          </a:p>
+        </p:txBody>
+      </p:sp>
     </p:spTree>
     <p:extLst>
       <p:ext uri="{BB962C8B-B14F-4D97-AF65-F5344CB8AC3E}">
